--- a/Documentation/Demo.pptx
+++ b/Documentation/Demo.pptx
@@ -6,6 +6,7 @@
   </p:sldMasterIdLst>
   <p:sldIdLst>
     <p:sldId id="256" r:id="rId2"/>
+    <p:sldId id="257" r:id="rId3"/>
   </p:sldIdLst>
   <p:sldSz cx="12192000" cy="6858000"/>
   <p:notesSz cx="6858000" cy="9144000"/>
@@ -104,6 +105,11 @@
       </a:defRPr>
     </a:lvl9pPr>
   </p:defaultTextStyle>
+  <p:extLst>
+    <p:ext uri="{EFAFB233-063F-42B5-8137-9DF3F51BA10A}">
+      <p15:sldGuideLst xmlns:p15="http://schemas.microsoft.com/office/powerpoint/2012/main"/>
+    </p:ext>
+  </p:extLst>
 </p:presentation>
 </file>
 
@@ -3955,6 +3961,104 @@
 </p:sld>
 </file>
 
+<file path=ppt/slides/slide2.xml><?xml version="1.0" encoding="utf-8"?>
+<p:sld xmlns:a="http://schemas.openxmlformats.org/drawingml/2006/main" xmlns:r="http://schemas.openxmlformats.org/officeDocument/2006/relationships" xmlns:p="http://schemas.openxmlformats.org/presentationml/2006/main">
+  <p:cSld>
+    <p:spTree>
+      <p:nvGrpSpPr>
+        <p:cNvPr id="1" name=""/>
+        <p:cNvGrpSpPr/>
+        <p:nvPr/>
+      </p:nvGrpSpPr>
+      <p:grpSpPr>
+        <a:xfrm>
+          <a:off x="0" y="0"/>
+          <a:ext cx="0" cy="0"/>
+          <a:chOff x="0" y="0"/>
+          <a:chExt cx="0" cy="0"/>
+        </a:xfrm>
+      </p:grpSpPr>
+      <p:sp>
+        <p:nvSpPr>
+          <p:cNvPr id="2" name="Title 1">
+            <a:extLst>
+              <a:ext uri="{FF2B5EF4-FFF2-40B4-BE49-F238E27FC236}">
+                <a16:creationId xmlns:a16="http://schemas.microsoft.com/office/drawing/2014/main" id="{06CA7BCA-F472-4AFD-BD38-F3E57291A15B}"/>
+              </a:ext>
+            </a:extLst>
+          </p:cNvPr>
+          <p:cNvSpPr>
+            <a:spLocks noGrp="1"/>
+          </p:cNvSpPr>
+          <p:nvPr>
+            <p:ph type="title"/>
+          </p:nvPr>
+        </p:nvSpPr>
+        <p:spPr/>
+        <p:txBody>
+          <a:bodyPr/>
+          <a:lstStyle/>
+          <a:p>
+            <a:r>
+              <a:rPr lang="en-US" dirty="0"/>
+              <a:t>AES	</a:t>
+            </a:r>
+          </a:p>
+        </p:txBody>
+      </p:sp>
+      <p:sp>
+        <p:nvSpPr>
+          <p:cNvPr id="3" name="Content Placeholder 2">
+            <a:extLst>
+              <a:ext uri="{FF2B5EF4-FFF2-40B4-BE49-F238E27FC236}">
+                <a16:creationId xmlns:a16="http://schemas.microsoft.com/office/drawing/2014/main" id="{BEF5446F-70E4-4721-91B1-D5DE70992BBE}"/>
+              </a:ext>
+            </a:extLst>
+          </p:cNvPr>
+          <p:cNvSpPr>
+            <a:spLocks noGrp="1"/>
+          </p:cNvSpPr>
+          <p:nvPr>
+            <p:ph idx="1"/>
+          </p:nvPr>
+        </p:nvSpPr>
+        <p:spPr/>
+        <p:txBody>
+          <a:bodyPr/>
+          <a:lstStyle/>
+          <a:p>
+            <a:r>
+              <a:rPr lang="en-US" dirty="0"/>
+              <a:t>-Symmetric Encryption</a:t>
+            </a:r>
+          </a:p>
+          <a:p>
+            <a:r>
+              <a:rPr lang="en-US" dirty="0"/>
+              <a:t>-Cipher Block Chaining (CBC) mode</a:t>
+            </a:r>
+          </a:p>
+          <a:p>
+            <a:endParaRPr lang="en-US" dirty="0"/>
+          </a:p>
+          <a:p>
+            <a:endParaRPr lang="en-US" dirty="0"/>
+          </a:p>
+        </p:txBody>
+      </p:sp>
+    </p:spTree>
+    <p:extLst>
+      <p:ext uri="{BB962C8B-B14F-4D97-AF65-F5344CB8AC3E}">
+        <p14:creationId xmlns:p14="http://schemas.microsoft.com/office/powerpoint/2010/main" val="1137552742"/>
+      </p:ext>
+    </p:extLst>
+  </p:cSld>
+  <p:clrMapOvr>
+    <a:masterClrMapping/>
+  </p:clrMapOvr>
+</p:sld>
+</file>
+
 <file path=ppt/theme/theme1.xml><?xml version="1.0" encoding="utf-8"?>
 <a:theme xmlns:a="http://schemas.openxmlformats.org/drawingml/2006/main" name="Retrospect">
   <a:themeElements>

--- a/Documentation/Demo.pptx
+++ b/Documentation/Demo.pptx
@@ -21,7 +21,8 @@
     <p:sldId id="268" r:id="rId15"/>
     <p:sldId id="270" r:id="rId16"/>
     <p:sldId id="271" r:id="rId17"/>
-    <p:sldId id="269" r:id="rId18"/>
+    <p:sldId id="273" r:id="rId18"/>
+    <p:sldId id="269" r:id="rId19"/>
   </p:sldIdLst>
   <p:sldSz cx="12192000" cy="6858000"/>
   <p:notesSz cx="6858000" cy="9144000"/>
@@ -3929,7 +3930,7 @@
 <dgm:dataModel xmlns:dgm="http://schemas.openxmlformats.org/drawingml/2006/diagram" xmlns:a="http://schemas.openxmlformats.org/drawingml/2006/main">
   <dgm:ptLst>
     <dgm:pt modelId="{EE45BE01-A501-4734-9FE4-E0339AF3507B}" type="doc">
-      <dgm:prSet loTypeId="urn:microsoft.com/office/officeart/2005/8/layout/list1" loCatId="list" qsTypeId="urn:microsoft.com/office/officeart/2005/8/quickstyle/simple1" qsCatId="simple" csTypeId="urn:microsoft.com/office/officeart/2005/8/colors/colorful2" csCatId="colorful"/>
+      <dgm:prSet loTypeId="urn:microsoft.com/office/officeart/2005/8/layout/list1" loCatId="list" qsTypeId="urn:microsoft.com/office/officeart/2005/8/quickstyle/simple1" qsCatId="simple" csTypeId="urn:microsoft.com/office/officeart/2005/8/colors/colorful2" csCatId="colorful" phldr="1"/>
       <dgm:spPr/>
       <dgm:t>
         <a:bodyPr/>
@@ -4073,42 +4074,6 @@
       </dgm:t>
     </dgm:pt>
     <dgm:pt modelId="{8AAB3559-19C9-4969-A4D7-4B0501593404}" type="sibTrans" cxnId="{19D51453-EBAD-4696-BE60-FC2DAA7728B4}">
-      <dgm:prSet/>
-      <dgm:spPr/>
-      <dgm:t>
-        <a:bodyPr/>
-        <a:lstStyle/>
-        <a:p>
-          <a:endParaRPr lang="en-US"/>
-        </a:p>
-      </dgm:t>
-    </dgm:pt>
-    <dgm:pt modelId="{62D96BFC-C8B6-4DCB-8661-2F4FD909847F}">
-      <dgm:prSet/>
-      <dgm:spPr/>
-      <dgm:t>
-        <a:bodyPr/>
-        <a:lstStyle/>
-        <a:p>
-          <a:r>
-            <a:rPr lang="en-US"/>
-            <a:t>Signatures provide Authentication</a:t>
-          </a:r>
-        </a:p>
-      </dgm:t>
-    </dgm:pt>
-    <dgm:pt modelId="{A19E6C96-2FC8-4E7D-8BAA-3B52E02CD330}" type="parTrans" cxnId="{5F9F1CD4-B6FC-4D6C-A286-4CB8B174F084}">
-      <dgm:prSet/>
-      <dgm:spPr/>
-      <dgm:t>
-        <a:bodyPr/>
-        <a:lstStyle/>
-        <a:p>
-          <a:endParaRPr lang="en-US"/>
-        </a:p>
-      </dgm:t>
-    </dgm:pt>
-    <dgm:pt modelId="{D78CC0F2-A938-439A-A064-0619A0598B1B}" type="sibTrans" cxnId="{5F9F1CD4-B6FC-4D6C-A286-4CB8B174F084}">
       <dgm:prSet/>
       <dgm:spPr/>
       <dgm:t>
@@ -4366,7 +4331,7 @@
         <a:lstStyle/>
         <a:p>
           <a:r>
-            <a:rPr lang="en-US"/>
+            <a:rPr lang="en-US" dirty="0"/>
             <a:t>Private Key is (d, N)</a:t>
           </a:r>
         </a:p>
@@ -4384,6 +4349,42 @@
       </dgm:t>
     </dgm:pt>
     <dgm:pt modelId="{2E07D176-A988-4FE4-8500-275C84027218}" type="sibTrans" cxnId="{34EDD96C-3250-4481-A349-228125168FCF}">
+      <dgm:prSet/>
+      <dgm:spPr/>
+      <dgm:t>
+        <a:bodyPr/>
+        <a:lstStyle/>
+        <a:p>
+          <a:endParaRPr lang="en-US"/>
+        </a:p>
+      </dgm:t>
+    </dgm:pt>
+    <dgm:pt modelId="{5BF806F1-7AB6-4A7F-9485-4DF5BBDCC28C}">
+      <dgm:prSet/>
+      <dgm:spPr/>
+      <dgm:t>
+        <a:bodyPr/>
+        <a:lstStyle/>
+        <a:p>
+          <a:r>
+            <a:rPr lang="en-US" dirty="0"/>
+            <a:t>Signatures Provide Authentication</a:t>
+          </a:r>
+        </a:p>
+      </dgm:t>
+    </dgm:pt>
+    <dgm:pt modelId="{6DF08BA3-66E1-41F3-B44F-FC5B306C4663}" type="parTrans" cxnId="{85424763-0B39-4143-B041-19BACB0F9B88}">
+      <dgm:prSet/>
+      <dgm:spPr/>
+      <dgm:t>
+        <a:bodyPr/>
+        <a:lstStyle/>
+        <a:p>
+          <a:endParaRPr lang="en-US"/>
+        </a:p>
+      </dgm:t>
+    </dgm:pt>
+    <dgm:pt modelId="{C8B454EA-096F-4D81-8C15-C91DA5048F68}" type="sibTrans" cxnId="{85424763-0B39-4143-B041-19BACB0F9B88}">
       <dgm:prSet/>
       <dgm:spPr/>
       <dgm:t>
@@ -4470,49 +4471,16 @@
       <dgm:prSet presAssocID="{43DC984C-8901-4776-A967-823B6DB23DA7}" presName="spaceBetweenRectangles" presStyleCnt="0"/>
       <dgm:spPr/>
     </dgm:pt>
-    <dgm:pt modelId="{EC810A11-C200-4594-90AF-CF35A84F253E}" type="pres">
-      <dgm:prSet presAssocID="{62D96BFC-C8B6-4DCB-8661-2F4FD909847F}" presName="parentLin" presStyleCnt="0"/>
-      <dgm:spPr/>
-    </dgm:pt>
-    <dgm:pt modelId="{83E4D972-6DD9-4573-97B9-E27C87DE69EB}" type="pres">
-      <dgm:prSet presAssocID="{62D96BFC-C8B6-4DCB-8661-2F4FD909847F}" presName="parentLeftMargin" presStyleLbl="node1" presStyleIdx="1" presStyleCnt="4"/>
-      <dgm:spPr/>
-    </dgm:pt>
-    <dgm:pt modelId="{0E2A3238-6B15-4C23-9F63-4D66B75A647B}" type="pres">
-      <dgm:prSet presAssocID="{62D96BFC-C8B6-4DCB-8661-2F4FD909847F}" presName="parentText" presStyleLbl="node1" presStyleIdx="2" presStyleCnt="4">
-        <dgm:presLayoutVars>
-          <dgm:chMax val="0"/>
-          <dgm:bulletEnabled val="1"/>
-        </dgm:presLayoutVars>
-      </dgm:prSet>
-      <dgm:spPr/>
-    </dgm:pt>
-    <dgm:pt modelId="{03402540-006B-4F09-9C97-BC583565412B}" type="pres">
-      <dgm:prSet presAssocID="{62D96BFC-C8B6-4DCB-8661-2F4FD909847F}" presName="negativeSpace" presStyleCnt="0"/>
-      <dgm:spPr/>
-    </dgm:pt>
-    <dgm:pt modelId="{DC6D3A3D-00C3-426F-8114-F13CEAB9273D}" type="pres">
-      <dgm:prSet presAssocID="{62D96BFC-C8B6-4DCB-8661-2F4FD909847F}" presName="childText" presStyleLbl="conFgAcc1" presStyleIdx="2" presStyleCnt="4">
-        <dgm:presLayoutVars>
-          <dgm:bulletEnabled val="1"/>
-        </dgm:presLayoutVars>
-      </dgm:prSet>
-      <dgm:spPr/>
-    </dgm:pt>
-    <dgm:pt modelId="{5D8DA876-DB0A-433F-A84E-69A2F29AB82A}" type="pres">
-      <dgm:prSet presAssocID="{D78CC0F2-A938-439A-A064-0619A0598B1B}" presName="spaceBetweenRectangles" presStyleCnt="0"/>
-      <dgm:spPr/>
-    </dgm:pt>
     <dgm:pt modelId="{D40F3103-8644-4915-AEB4-C861B13ACC70}" type="pres">
       <dgm:prSet presAssocID="{CD59C50F-6F64-4C5B-BFB3-793F144661CA}" presName="parentLin" presStyleCnt="0"/>
       <dgm:spPr/>
     </dgm:pt>
     <dgm:pt modelId="{9C9F0C77-32FD-4256-AEED-D1C29A2F94BF}" type="pres">
-      <dgm:prSet presAssocID="{CD59C50F-6F64-4C5B-BFB3-793F144661CA}" presName="parentLeftMargin" presStyleLbl="node1" presStyleIdx="2" presStyleCnt="4"/>
+      <dgm:prSet presAssocID="{CD59C50F-6F64-4C5B-BFB3-793F144661CA}" presName="parentLeftMargin" presStyleLbl="node1" presStyleIdx="1" presStyleCnt="4"/>
       <dgm:spPr/>
     </dgm:pt>
     <dgm:pt modelId="{E5AE72C9-AF08-403A-82CB-0709F71DDBD0}" type="pres">
-      <dgm:prSet presAssocID="{CD59C50F-6F64-4C5B-BFB3-793F144661CA}" presName="parentText" presStyleLbl="node1" presStyleIdx="3" presStyleCnt="4">
+      <dgm:prSet presAssocID="{CD59C50F-6F64-4C5B-BFB3-793F144661CA}" presName="parentText" presStyleLbl="node1" presStyleIdx="2" presStyleCnt="4">
         <dgm:presLayoutVars>
           <dgm:chMax val="0"/>
           <dgm:bulletEnabled val="1"/>
@@ -4525,7 +4493,40 @@
       <dgm:spPr/>
     </dgm:pt>
     <dgm:pt modelId="{971FB27F-3F15-4375-A5C6-686B1B2B681E}" type="pres">
-      <dgm:prSet presAssocID="{CD59C50F-6F64-4C5B-BFB3-793F144661CA}" presName="childText" presStyleLbl="conFgAcc1" presStyleIdx="3" presStyleCnt="4">
+      <dgm:prSet presAssocID="{CD59C50F-6F64-4C5B-BFB3-793F144661CA}" presName="childText" presStyleLbl="conFgAcc1" presStyleIdx="2" presStyleCnt="4">
+        <dgm:presLayoutVars>
+          <dgm:bulletEnabled val="1"/>
+        </dgm:presLayoutVars>
+      </dgm:prSet>
+      <dgm:spPr/>
+    </dgm:pt>
+    <dgm:pt modelId="{CCFE1B7C-3A35-42FF-8988-BD3DCAF8B25A}" type="pres">
+      <dgm:prSet presAssocID="{4790B5B4-8655-4997-9293-A00DE7DC5632}" presName="spaceBetweenRectangles" presStyleCnt="0"/>
+      <dgm:spPr/>
+    </dgm:pt>
+    <dgm:pt modelId="{DEC7C23D-BC79-4859-8A66-2B2436E03626}" type="pres">
+      <dgm:prSet presAssocID="{5BF806F1-7AB6-4A7F-9485-4DF5BBDCC28C}" presName="parentLin" presStyleCnt="0"/>
+      <dgm:spPr/>
+    </dgm:pt>
+    <dgm:pt modelId="{DFC5872C-87F4-4BC1-838D-6FC39553D6C3}" type="pres">
+      <dgm:prSet presAssocID="{5BF806F1-7AB6-4A7F-9485-4DF5BBDCC28C}" presName="parentLeftMargin" presStyleLbl="node1" presStyleIdx="2" presStyleCnt="4"/>
+      <dgm:spPr/>
+    </dgm:pt>
+    <dgm:pt modelId="{57014F90-1C5A-49B8-A04D-4D3425AE464C}" type="pres">
+      <dgm:prSet presAssocID="{5BF806F1-7AB6-4A7F-9485-4DF5BBDCC28C}" presName="parentText" presStyleLbl="node1" presStyleIdx="3" presStyleCnt="4">
+        <dgm:presLayoutVars>
+          <dgm:chMax val="0"/>
+          <dgm:bulletEnabled val="1"/>
+        </dgm:presLayoutVars>
+      </dgm:prSet>
+      <dgm:spPr/>
+    </dgm:pt>
+    <dgm:pt modelId="{ECCFD513-8C81-45DA-A330-15105B3E68D8}" type="pres">
+      <dgm:prSet presAssocID="{5BF806F1-7AB6-4A7F-9485-4DF5BBDCC28C}" presName="negativeSpace" presStyleCnt="0"/>
+      <dgm:spPr/>
+    </dgm:pt>
+    <dgm:pt modelId="{30CAFB56-436F-4AA5-99ED-B1722B039BBC}" type="pres">
+      <dgm:prSet presAssocID="{5BF806F1-7AB6-4A7F-9485-4DF5BBDCC28C}" presName="childText" presStyleLbl="conFgAcc1" presStyleIdx="3" presStyleCnt="4">
         <dgm:presLayoutVars>
           <dgm:bulletEnabled val="1"/>
         </dgm:presLayoutVars>
@@ -4536,29 +4537,29 @@
   <dgm:cxnLst>
     <dgm:cxn modelId="{0A47A10D-667A-4A61-90E3-592DFBBF4C43}" type="presOf" srcId="{0F0A88C6-2C62-4A18-99A9-8388B27833CC}" destId="{971FB27F-3F15-4375-A5C6-686B1B2B681E}" srcOrd="0" destOrd="3" presId="urn:microsoft.com/office/officeart/2005/8/layout/list1"/>
     <dgm:cxn modelId="{28D1211A-E9DA-4400-9580-4BF8E4460518}" srcId="{15258864-4318-414D-992E-EEEECE4DB5AD}" destId="{C10B1F5D-EDA4-475F-B00A-78F46209EA77}" srcOrd="0" destOrd="0" parTransId="{34906460-3C29-421A-98F7-C7A005323F2D}" sibTransId="{201E81C2-E35D-4773-B641-C6A1930E707D}"/>
-    <dgm:cxn modelId="{558F8E22-7BF3-46B2-9223-41CD3CCDED0E}" srcId="{EE45BE01-A501-4734-9FE4-E0339AF3507B}" destId="{CD59C50F-6F64-4C5B-BFB3-793F144661CA}" srcOrd="3" destOrd="0" parTransId="{C587297D-9DDF-41C2-8271-70CA67588F9C}" sibTransId="{4790B5B4-8655-4997-9293-A00DE7DC5632}"/>
+    <dgm:cxn modelId="{558F8E22-7BF3-46B2-9223-41CD3CCDED0E}" srcId="{EE45BE01-A501-4734-9FE4-E0339AF3507B}" destId="{CD59C50F-6F64-4C5B-BFB3-793F144661CA}" srcOrd="2" destOrd="0" parTransId="{C587297D-9DDF-41C2-8271-70CA67588F9C}" sibTransId="{4790B5B4-8655-4997-9293-A00DE7DC5632}"/>
     <dgm:cxn modelId="{360ED326-9BC1-4F2D-99B5-ED7FBDFAB16D}" type="presOf" srcId="{50E3A7EB-393A-4967-919D-61965A36BC52}" destId="{446058A2-F42F-4AA4-BF8A-4530EF7A7958}" srcOrd="1" destOrd="0" presId="urn:microsoft.com/office/officeart/2005/8/layout/list1"/>
     <dgm:cxn modelId="{B05D2637-3DF9-4E72-B924-E961B4EF9A33}" type="presOf" srcId="{EE45BE01-A501-4734-9FE4-E0339AF3507B}" destId="{35CE06E7-4866-4BF9-A5B5-6A02B236CE31}" srcOrd="0" destOrd="0" presId="urn:microsoft.com/office/officeart/2005/8/layout/list1"/>
+    <dgm:cxn modelId="{85424763-0B39-4143-B041-19BACB0F9B88}" srcId="{EE45BE01-A501-4734-9FE4-E0339AF3507B}" destId="{5BF806F1-7AB6-4A7F-9485-4DF5BBDCC28C}" srcOrd="3" destOrd="0" parTransId="{6DF08BA3-66E1-41F3-B44F-FC5B306C4663}" sibTransId="{C8B454EA-096F-4D81-8C15-C91DA5048F68}"/>
+    <dgm:cxn modelId="{BEEC3644-CA6C-4321-95C2-53F85335427A}" type="presOf" srcId="{5BF806F1-7AB6-4A7F-9485-4DF5BBDCC28C}" destId="{DFC5872C-87F4-4BC1-838D-6FC39553D6C3}" srcOrd="0" destOrd="0" presId="urn:microsoft.com/office/officeart/2005/8/layout/list1"/>
     <dgm:cxn modelId="{84DE2666-332E-4C14-83B1-B8F6CDD2F73A}" srcId="{CD59C50F-6F64-4C5B-BFB3-793F144661CA}" destId="{55E2D40E-5496-4E10-9831-2F158A739A6D}" srcOrd="1" destOrd="0" parTransId="{F0BC116F-6F20-4882-8E49-77C6A4EF28AB}" sibTransId="{A85F8705-6D25-4DAD-84BD-E51C6DE1E55B}"/>
     <dgm:cxn modelId="{D8BACE68-916E-4F78-AE6A-72247E6A58B8}" type="presOf" srcId="{15258864-4318-414D-992E-EEEECE4DB5AD}" destId="{4B34BF44-2077-4452-9DD2-8D02E250A006}" srcOrd="1" destOrd="0" presId="urn:microsoft.com/office/officeart/2005/8/layout/list1"/>
     <dgm:cxn modelId="{34EDD96C-3250-4481-A349-228125168FCF}" srcId="{CD59C50F-6F64-4C5B-BFB3-793F144661CA}" destId="{0F0A88C6-2C62-4A18-99A9-8388B27833CC}" srcOrd="3" destOrd="0" parTransId="{74B9F4E2-F6F1-40FD-8B1F-52C19FBDD5EE}" sibTransId="{2E07D176-A988-4FE4-8500-275C84027218}"/>
     <dgm:cxn modelId="{19D51453-EBAD-4696-BE60-FC2DAA7728B4}" srcId="{15258864-4318-414D-992E-EEEECE4DB5AD}" destId="{8DC8EE8D-A93E-4099-8859-00B51FD13FB1}" srcOrd="1" destOrd="0" parTransId="{6519D11D-AC43-4FC0-9997-FC0A27B7632A}" sibTransId="{8AAB3559-19C9-4969-A4D7-4B0501593404}"/>
-    <dgm:cxn modelId="{068F3E84-5D13-4789-A8FB-235C8FCB8F80}" type="presOf" srcId="{62D96BFC-C8B6-4DCB-8661-2F4FD909847F}" destId="{83E4D972-6DD9-4573-97B9-E27C87DE69EB}" srcOrd="0" destOrd="0" presId="urn:microsoft.com/office/officeart/2005/8/layout/list1"/>
     <dgm:cxn modelId="{0D660F94-28FE-4888-84FB-088E1749A19B}" type="presOf" srcId="{CD59C50F-6F64-4C5B-BFB3-793F144661CA}" destId="{E5AE72C9-AF08-403A-82CB-0709F71DDBD0}" srcOrd="1" destOrd="0" presId="urn:microsoft.com/office/officeart/2005/8/layout/list1"/>
     <dgm:cxn modelId="{606CF094-AD48-4B95-B838-4E130B68A782}" srcId="{EE45BE01-A501-4734-9FE4-E0339AF3507B}" destId="{50E3A7EB-393A-4967-919D-61965A36BC52}" srcOrd="0" destOrd="0" parTransId="{CF73811D-CADF-42FC-A84E-A09864A46BBE}" sibTransId="{451E3817-D3B2-40AB-961A-072C857BDA34}"/>
     <dgm:cxn modelId="{F19ABA95-6CE9-424D-BA40-33A1C4372E35}" type="presOf" srcId="{8DC8EE8D-A93E-4099-8859-00B51FD13FB1}" destId="{EC8F1652-EF36-4881-B168-A5FCD5BE0A72}" srcOrd="0" destOrd="1" presId="urn:microsoft.com/office/officeart/2005/8/layout/list1"/>
     <dgm:cxn modelId="{1B375096-E1E0-434B-AF5C-9D40B6835F4F}" srcId="{CD59C50F-6F64-4C5B-BFB3-793F144661CA}" destId="{0E15C337-8908-40D0-B900-D55505DC132E}" srcOrd="2" destOrd="0" parTransId="{4420B6B8-9D61-4FAB-8611-F37C4FE66F39}" sibTransId="{FE54107C-0CCF-469C-90B4-B342E83587C1}"/>
     <dgm:cxn modelId="{50B1FA9B-4BC2-4B4B-A9EC-EBDF1FF1830F}" type="presOf" srcId="{55E2D40E-5496-4E10-9831-2F158A739A6D}" destId="{971FB27F-3F15-4375-A5C6-686B1B2B681E}" srcOrd="0" destOrd="1" presId="urn:microsoft.com/office/officeart/2005/8/layout/list1"/>
+    <dgm:cxn modelId="{26D5E9B7-9E2F-4A11-994A-9832CA18295B}" type="presOf" srcId="{5BF806F1-7AB6-4A7F-9485-4DF5BBDCC28C}" destId="{57014F90-1C5A-49B8-A04D-4D3425AE464C}" srcOrd="1" destOrd="0" presId="urn:microsoft.com/office/officeart/2005/8/layout/list1"/>
     <dgm:cxn modelId="{5D91F3B9-C9D7-4162-8DA5-37745016859D}" type="presOf" srcId="{50E3A7EB-393A-4967-919D-61965A36BC52}" destId="{E7974F1E-CEF1-40DA-8680-4DBF5851C6CF}" srcOrd="0" destOrd="0" presId="urn:microsoft.com/office/officeart/2005/8/layout/list1"/>
     <dgm:cxn modelId="{499461BD-6619-4591-8AAD-39F49729CA5E}" type="presOf" srcId="{CD59C50F-6F64-4C5B-BFB3-793F144661CA}" destId="{9C9F0C77-32FD-4256-AEED-D1C29A2F94BF}" srcOrd="0" destOrd="0" presId="urn:microsoft.com/office/officeart/2005/8/layout/list1"/>
     <dgm:cxn modelId="{94DBEEBF-23B4-4816-B7CA-6B0CD2473DBA}" type="presOf" srcId="{15258864-4318-414D-992E-EEEECE4DB5AD}" destId="{70C6F061-4CB2-47CF-AC00-BCDEF22DF6CE}" srcOrd="0" destOrd="0" presId="urn:microsoft.com/office/officeart/2005/8/layout/list1"/>
     <dgm:cxn modelId="{1C1F15C1-0C58-46CE-B6B1-FF229CEFCB3E}" type="presOf" srcId="{EC450DAA-C80C-48F9-AF0B-A83AB3D97D43}" destId="{971FB27F-3F15-4375-A5C6-686B1B2B681E}" srcOrd="0" destOrd="0" presId="urn:microsoft.com/office/officeart/2005/8/layout/list1"/>
-    <dgm:cxn modelId="{5F9F1CD4-B6FC-4D6C-A286-4CB8B174F084}" srcId="{EE45BE01-A501-4734-9FE4-E0339AF3507B}" destId="{62D96BFC-C8B6-4DCB-8661-2F4FD909847F}" srcOrd="2" destOrd="0" parTransId="{A19E6C96-2FC8-4E7D-8BAA-3B52E02CD330}" sibTransId="{D78CC0F2-A938-439A-A064-0619A0598B1B}"/>
     <dgm:cxn modelId="{B1ABFDD9-BE3D-4213-8C5A-2668B55020AA}" srcId="{EE45BE01-A501-4734-9FE4-E0339AF3507B}" destId="{15258864-4318-414D-992E-EEEECE4DB5AD}" srcOrd="1" destOrd="0" parTransId="{D132DDED-5DD6-4881-86D7-B536657BCE12}" sibTransId="{43DC984C-8901-4776-A967-823B6DB23DA7}"/>
     <dgm:cxn modelId="{AE133CEA-2A05-4C73-9007-7BA5AEC3FF8D}" srcId="{CD59C50F-6F64-4C5B-BFB3-793F144661CA}" destId="{EC450DAA-C80C-48F9-AF0B-A83AB3D97D43}" srcOrd="0" destOrd="0" parTransId="{1B688020-A8DC-44AB-B571-096499ACCC0C}" sibTransId="{E5CE0618-BD58-4639-B4B1-87FF90C39C3E}"/>
     <dgm:cxn modelId="{5F78B3EC-90E3-4B56-B2C6-F0CE9003018F}" type="presOf" srcId="{0E15C337-8908-40D0-B900-D55505DC132E}" destId="{971FB27F-3F15-4375-A5C6-686B1B2B681E}" srcOrd="0" destOrd="2" presId="urn:microsoft.com/office/officeart/2005/8/layout/list1"/>
     <dgm:cxn modelId="{5E7081F4-A91C-44BE-8E0D-6F3D05CA500F}" type="presOf" srcId="{C10B1F5D-EDA4-475F-B00A-78F46209EA77}" destId="{EC8F1652-EF36-4881-B168-A5FCD5BE0A72}" srcOrd="0" destOrd="0" presId="urn:microsoft.com/office/officeart/2005/8/layout/list1"/>
-    <dgm:cxn modelId="{1C8D42F8-918D-4D3E-A670-F0350E6E9CEA}" type="presOf" srcId="{62D96BFC-C8B6-4DCB-8661-2F4FD909847F}" destId="{0E2A3238-6B15-4C23-9F63-4D66B75A647B}" srcOrd="1" destOrd="0" presId="urn:microsoft.com/office/officeart/2005/8/layout/list1"/>
     <dgm:cxn modelId="{85BFAD40-E35A-4FFD-819C-2F98CA856A28}" type="presParOf" srcId="{35CE06E7-4866-4BF9-A5B5-6A02B236CE31}" destId="{45DE2339-CADC-44BF-983E-EDFB6DEE29A0}" srcOrd="0" destOrd="0" presId="urn:microsoft.com/office/officeart/2005/8/layout/list1"/>
     <dgm:cxn modelId="{40A159EE-37FD-44D1-BAEA-89157C1F0906}" type="presParOf" srcId="{45DE2339-CADC-44BF-983E-EDFB6DEE29A0}" destId="{E7974F1E-CEF1-40DA-8680-4DBF5851C6CF}" srcOrd="0" destOrd="0" presId="urn:microsoft.com/office/officeart/2005/8/layout/list1"/>
     <dgm:cxn modelId="{4AB9DB49-93B4-4A3E-8DF7-544C9D28C745}" type="presParOf" srcId="{45DE2339-CADC-44BF-983E-EDFB6DEE29A0}" destId="{446058A2-F42F-4AA4-BF8A-4530EF7A7958}" srcOrd="1" destOrd="0" presId="urn:microsoft.com/office/officeart/2005/8/layout/list1"/>
@@ -4571,17 +4572,17 @@
     <dgm:cxn modelId="{FA9C598E-B1EA-4C18-BD9D-336E54AD523A}" type="presParOf" srcId="{35CE06E7-4866-4BF9-A5B5-6A02B236CE31}" destId="{D65252B5-1076-4CA6-864B-8D15B1B54171}" srcOrd="5" destOrd="0" presId="urn:microsoft.com/office/officeart/2005/8/layout/list1"/>
     <dgm:cxn modelId="{1EBFA692-82B9-48CE-9AAB-28ED434EA041}" type="presParOf" srcId="{35CE06E7-4866-4BF9-A5B5-6A02B236CE31}" destId="{EC8F1652-EF36-4881-B168-A5FCD5BE0A72}" srcOrd="6" destOrd="0" presId="urn:microsoft.com/office/officeart/2005/8/layout/list1"/>
     <dgm:cxn modelId="{D701BF50-AA12-4FAA-9F57-39449F7CEA0E}" type="presParOf" srcId="{35CE06E7-4866-4BF9-A5B5-6A02B236CE31}" destId="{222B457A-9EE9-4DFF-B4AA-FBEBA55B6C7C}" srcOrd="7" destOrd="0" presId="urn:microsoft.com/office/officeart/2005/8/layout/list1"/>
-    <dgm:cxn modelId="{9CABCF22-38E0-4D08-8167-DDBC0525E65A}" type="presParOf" srcId="{35CE06E7-4866-4BF9-A5B5-6A02B236CE31}" destId="{EC810A11-C200-4594-90AF-CF35A84F253E}" srcOrd="8" destOrd="0" presId="urn:microsoft.com/office/officeart/2005/8/layout/list1"/>
-    <dgm:cxn modelId="{90A0F3D7-8627-45C5-9E4A-813DE27726F5}" type="presParOf" srcId="{EC810A11-C200-4594-90AF-CF35A84F253E}" destId="{83E4D972-6DD9-4573-97B9-E27C87DE69EB}" srcOrd="0" destOrd="0" presId="urn:microsoft.com/office/officeart/2005/8/layout/list1"/>
-    <dgm:cxn modelId="{E02D909E-7C81-4A35-8B17-53A0093F9CD9}" type="presParOf" srcId="{EC810A11-C200-4594-90AF-CF35A84F253E}" destId="{0E2A3238-6B15-4C23-9F63-4D66B75A647B}" srcOrd="1" destOrd="0" presId="urn:microsoft.com/office/officeart/2005/8/layout/list1"/>
-    <dgm:cxn modelId="{853C2186-AF00-4FB5-80ED-7BDD00AD6DC9}" type="presParOf" srcId="{35CE06E7-4866-4BF9-A5B5-6A02B236CE31}" destId="{03402540-006B-4F09-9C97-BC583565412B}" srcOrd="9" destOrd="0" presId="urn:microsoft.com/office/officeart/2005/8/layout/list1"/>
-    <dgm:cxn modelId="{B67B3543-E200-4085-B43A-E576D715CE83}" type="presParOf" srcId="{35CE06E7-4866-4BF9-A5B5-6A02B236CE31}" destId="{DC6D3A3D-00C3-426F-8114-F13CEAB9273D}" srcOrd="10" destOrd="0" presId="urn:microsoft.com/office/officeart/2005/8/layout/list1"/>
-    <dgm:cxn modelId="{86E0F4B7-E8D7-4775-8208-B48DDF682AC2}" type="presParOf" srcId="{35CE06E7-4866-4BF9-A5B5-6A02B236CE31}" destId="{5D8DA876-DB0A-433F-A84E-69A2F29AB82A}" srcOrd="11" destOrd="0" presId="urn:microsoft.com/office/officeart/2005/8/layout/list1"/>
-    <dgm:cxn modelId="{1528F338-F220-42B5-B54E-F0BE554C4742}" type="presParOf" srcId="{35CE06E7-4866-4BF9-A5B5-6A02B236CE31}" destId="{D40F3103-8644-4915-AEB4-C861B13ACC70}" srcOrd="12" destOrd="0" presId="urn:microsoft.com/office/officeart/2005/8/layout/list1"/>
+    <dgm:cxn modelId="{1528F338-F220-42B5-B54E-F0BE554C4742}" type="presParOf" srcId="{35CE06E7-4866-4BF9-A5B5-6A02B236CE31}" destId="{D40F3103-8644-4915-AEB4-C861B13ACC70}" srcOrd="8" destOrd="0" presId="urn:microsoft.com/office/officeart/2005/8/layout/list1"/>
     <dgm:cxn modelId="{2494BDC6-95C7-48F8-8729-BD75862894B1}" type="presParOf" srcId="{D40F3103-8644-4915-AEB4-C861B13ACC70}" destId="{9C9F0C77-32FD-4256-AEED-D1C29A2F94BF}" srcOrd="0" destOrd="0" presId="urn:microsoft.com/office/officeart/2005/8/layout/list1"/>
     <dgm:cxn modelId="{45F60FC2-BE87-4141-B9CF-F9BA8E1ED37A}" type="presParOf" srcId="{D40F3103-8644-4915-AEB4-C861B13ACC70}" destId="{E5AE72C9-AF08-403A-82CB-0709F71DDBD0}" srcOrd="1" destOrd="0" presId="urn:microsoft.com/office/officeart/2005/8/layout/list1"/>
-    <dgm:cxn modelId="{1D3155B0-51A2-409E-AD31-ED6BA1687505}" type="presParOf" srcId="{35CE06E7-4866-4BF9-A5B5-6A02B236CE31}" destId="{1A9E449E-A33A-441A-806E-FA9D6CA9DC88}" srcOrd="13" destOrd="0" presId="urn:microsoft.com/office/officeart/2005/8/layout/list1"/>
-    <dgm:cxn modelId="{DC8C32C6-CCF2-4D75-9476-6E9285DC2EA8}" type="presParOf" srcId="{35CE06E7-4866-4BF9-A5B5-6A02B236CE31}" destId="{971FB27F-3F15-4375-A5C6-686B1B2B681E}" srcOrd="14" destOrd="0" presId="urn:microsoft.com/office/officeart/2005/8/layout/list1"/>
+    <dgm:cxn modelId="{1D3155B0-51A2-409E-AD31-ED6BA1687505}" type="presParOf" srcId="{35CE06E7-4866-4BF9-A5B5-6A02B236CE31}" destId="{1A9E449E-A33A-441A-806E-FA9D6CA9DC88}" srcOrd="9" destOrd="0" presId="urn:microsoft.com/office/officeart/2005/8/layout/list1"/>
+    <dgm:cxn modelId="{DC8C32C6-CCF2-4D75-9476-6E9285DC2EA8}" type="presParOf" srcId="{35CE06E7-4866-4BF9-A5B5-6A02B236CE31}" destId="{971FB27F-3F15-4375-A5C6-686B1B2B681E}" srcOrd="10" destOrd="0" presId="urn:microsoft.com/office/officeart/2005/8/layout/list1"/>
+    <dgm:cxn modelId="{4976969B-176B-409F-9872-A65913F139C3}" type="presParOf" srcId="{35CE06E7-4866-4BF9-A5B5-6A02B236CE31}" destId="{CCFE1B7C-3A35-42FF-8988-BD3DCAF8B25A}" srcOrd="11" destOrd="0" presId="urn:microsoft.com/office/officeart/2005/8/layout/list1"/>
+    <dgm:cxn modelId="{43BC4300-8BF8-43DF-8CE9-2AB3B613272C}" type="presParOf" srcId="{35CE06E7-4866-4BF9-A5B5-6A02B236CE31}" destId="{DEC7C23D-BC79-4859-8A66-2B2436E03626}" srcOrd="12" destOrd="0" presId="urn:microsoft.com/office/officeart/2005/8/layout/list1"/>
+    <dgm:cxn modelId="{5B345A4F-7653-4F52-BBC1-A5433876642C}" type="presParOf" srcId="{DEC7C23D-BC79-4859-8A66-2B2436E03626}" destId="{DFC5872C-87F4-4BC1-838D-6FC39553D6C3}" srcOrd="0" destOrd="0" presId="urn:microsoft.com/office/officeart/2005/8/layout/list1"/>
+    <dgm:cxn modelId="{3B129401-7473-4379-924E-F69AC8A33547}" type="presParOf" srcId="{DEC7C23D-BC79-4859-8A66-2B2436E03626}" destId="{57014F90-1C5A-49B8-A04D-4D3425AE464C}" srcOrd="1" destOrd="0" presId="urn:microsoft.com/office/officeart/2005/8/layout/list1"/>
+    <dgm:cxn modelId="{F0A2C702-52C2-4597-9E78-8D763CBB2C2B}" type="presParOf" srcId="{35CE06E7-4866-4BF9-A5B5-6A02B236CE31}" destId="{ECCFD513-8C81-45DA-A330-15105B3E68D8}" srcOrd="13" destOrd="0" presId="urn:microsoft.com/office/officeart/2005/8/layout/list1"/>
+    <dgm:cxn modelId="{FF54E2A9-3D98-4B12-9C56-CC96ADAACCAB}" type="presParOf" srcId="{35CE06E7-4866-4BF9-A5B5-6A02B236CE31}" destId="{30CAFB56-436F-4AA5-99ED-B1722B039BBC}" srcOrd="14" destOrd="0" presId="urn:microsoft.com/office/officeart/2005/8/layout/list1"/>
   </dgm:cxnLst>
   <dgm:bg/>
   <dgm:whole/>
@@ -5711,7 +5712,7 @@
       </dsp:nvSpPr>
       <dsp:spPr>
         <a:xfrm>
-          <a:off x="0" y="1249731"/>
+          <a:off x="0" y="1249730"/>
           <a:ext cx="6797675" cy="252000"/>
         </a:xfrm>
         <a:prstGeom prst="rect">
@@ -5759,7 +5760,7 @@
       </dsp:nvSpPr>
       <dsp:spPr>
         <a:xfrm>
-          <a:off x="339883" y="1102131"/>
+          <a:off x="339883" y="1102130"/>
           <a:ext cx="4758372" cy="295200"/>
         </a:xfrm>
         <a:prstGeom prst="roundRect">
@@ -5825,7 +5826,7 @@
         </a:p>
       </dsp:txBody>
       <dsp:txXfrm>
-        <a:off x="354293" y="1116541"/>
+        <a:off x="354293" y="1116540"/>
         <a:ext cx="4729552" cy="266380"/>
       </dsp:txXfrm>
     </dsp:sp>
@@ -5930,7 +5931,7 @@
       </dsp:nvSpPr>
       <dsp:spPr>
         <a:xfrm>
-          <a:off x="339883" y="1555731"/>
+          <a:off x="339883" y="1555730"/>
           <a:ext cx="4758372" cy="295200"/>
         </a:xfrm>
         <a:prstGeom prst="roundRect">
@@ -5996,11 +5997,11 @@
         </a:p>
       </dsp:txBody>
       <dsp:txXfrm>
-        <a:off x="354293" y="1570141"/>
+        <a:off x="354293" y="1570140"/>
         <a:ext cx="4729552" cy="266380"/>
       </dsp:txXfrm>
     </dsp:sp>
-    <dsp:sp modelId="{DC6D3A3D-00C3-426F-8114-F13CEAB9273D}">
+    <dsp:sp modelId="{971FB27F-3F15-4375-A5C6-686B1B2B681E}">
       <dsp:nvSpPr>
         <dsp:cNvPr id="0" name=""/>
         <dsp:cNvSpPr/>
@@ -6008,7 +6009,7 @@
       <dsp:spPr>
         <a:xfrm>
           <a:off x="0" y="2487681"/>
-          <a:ext cx="6797675" cy="252000"/>
+          <a:ext cx="6797675" cy="1606500"/>
         </a:xfrm>
         <a:prstGeom prst="rect">
           <a:avLst/>
@@ -6028,131 +6029,6 @@
               <a:hueOff val="26025"/>
               <a:satOff val="-17917"/>
               <a:lumOff val="-4575"/>
-              <a:alphaOff val="0"/>
-            </a:schemeClr>
-          </a:solidFill>
-          <a:prstDash val="solid"/>
-        </a:ln>
-        <a:effectLst/>
-      </dsp:spPr>
-      <dsp:style>
-        <a:lnRef idx="2">
-          <a:scrgbClr r="0" g="0" b="0"/>
-        </a:lnRef>
-        <a:fillRef idx="1">
-          <a:scrgbClr r="0" g="0" b="0"/>
-        </a:fillRef>
-        <a:effectRef idx="0">
-          <a:scrgbClr r="0" g="0" b="0"/>
-        </a:effectRef>
-        <a:fontRef idx="minor"/>
-      </dsp:style>
-    </dsp:sp>
-    <dsp:sp modelId="{0E2A3238-6B15-4C23-9F63-4D66B75A647B}">
-      <dsp:nvSpPr>
-        <dsp:cNvPr id="0" name=""/>
-        <dsp:cNvSpPr/>
-      </dsp:nvSpPr>
-      <dsp:spPr>
-        <a:xfrm>
-          <a:off x="339883" y="2340081"/>
-          <a:ext cx="4758372" cy="295200"/>
-        </a:xfrm>
-        <a:prstGeom prst="roundRect">
-          <a:avLst/>
-        </a:prstGeom>
-        <a:solidFill>
-          <a:schemeClr val="accent2">
-            <a:hueOff val="26025"/>
-            <a:satOff val="-17917"/>
-            <a:lumOff val="-4575"/>
-            <a:alphaOff val="0"/>
-          </a:schemeClr>
-        </a:solidFill>
-        <a:ln w="15875" cap="flat" cmpd="sng" algn="ctr">
-          <a:solidFill>
-            <a:schemeClr val="lt1">
-              <a:hueOff val="0"/>
-              <a:satOff val="0"/>
-              <a:lumOff val="0"/>
-              <a:alphaOff val="0"/>
-            </a:schemeClr>
-          </a:solidFill>
-          <a:prstDash val="solid"/>
-        </a:ln>
-        <a:effectLst/>
-      </dsp:spPr>
-      <dsp:style>
-        <a:lnRef idx="2">
-          <a:scrgbClr r="0" g="0" b="0"/>
-        </a:lnRef>
-        <a:fillRef idx="1">
-          <a:scrgbClr r="0" g="0" b="0"/>
-        </a:fillRef>
-        <a:effectRef idx="0">
-          <a:scrgbClr r="0" g="0" b="0"/>
-        </a:effectRef>
-        <a:fontRef idx="minor">
-          <a:schemeClr val="lt1"/>
-        </a:fontRef>
-      </dsp:style>
-      <dsp:txBody>
-        <a:bodyPr spcFirstLastPara="0" vert="horz" wrap="square" lIns="179855" tIns="0" rIns="179855" bIns="0" numCol="1" spcCol="1270" anchor="ctr" anchorCtr="0">
-          <a:noAutofit/>
-        </a:bodyPr>
-        <a:lstStyle/>
-        <a:p>
-          <a:pPr marL="0" lvl="0" indent="0" algn="l" defTabSz="444500">
-            <a:lnSpc>
-              <a:spcPct val="90000"/>
-            </a:lnSpc>
-            <a:spcBef>
-              <a:spcPct val="0"/>
-            </a:spcBef>
-            <a:spcAft>
-              <a:spcPct val="35000"/>
-            </a:spcAft>
-            <a:buNone/>
-          </a:pPr>
-          <a:r>
-            <a:rPr lang="en-US" sz="1000" kern="1200"/>
-            <a:t>Signatures provide Authentication</a:t>
-          </a:r>
-        </a:p>
-      </dsp:txBody>
-      <dsp:txXfrm>
-        <a:off x="354293" y="2354491"/>
-        <a:ext cx="4729552" cy="266380"/>
-      </dsp:txXfrm>
-    </dsp:sp>
-    <dsp:sp modelId="{971FB27F-3F15-4375-A5C6-686B1B2B681E}">
-      <dsp:nvSpPr>
-        <dsp:cNvPr id="0" name=""/>
-        <dsp:cNvSpPr/>
-      </dsp:nvSpPr>
-      <dsp:spPr>
-        <a:xfrm>
-          <a:off x="0" y="2941281"/>
-          <a:ext cx="6797675" cy="1606500"/>
-        </a:xfrm>
-        <a:prstGeom prst="rect">
-          <a:avLst/>
-        </a:prstGeom>
-        <a:solidFill>
-          <a:schemeClr val="lt1">
-            <a:alpha val="90000"/>
-            <a:hueOff val="0"/>
-            <a:satOff val="0"/>
-            <a:lumOff val="0"/>
-            <a:alphaOff val="0"/>
-          </a:schemeClr>
-        </a:solidFill>
-        <a:ln w="15875" cap="flat" cmpd="sng" algn="ctr">
-          <a:solidFill>
-            <a:schemeClr val="accent2">
-              <a:hueOff val="39038"/>
-              <a:satOff val="-26876"/>
-              <a:lumOff val="-6863"/>
               <a:alphaOff val="0"/>
             </a:schemeClr>
           </a:solidFill>
@@ -6340,13 +6216,13 @@
             <a:buChar char="•"/>
           </a:pPr>
           <a:r>
-            <a:rPr lang="en-US" sz="1000" kern="1200"/>
+            <a:rPr lang="en-US" sz="1000" kern="1200" dirty="0"/>
             <a:t>Private Key is (d, N)</a:t>
           </a:r>
         </a:p>
       </dsp:txBody>
       <dsp:txXfrm>
-        <a:off x="0" y="2941281"/>
+        <a:off x="0" y="2487681"/>
         <a:ext cx="6797675" cy="1606500"/>
       </dsp:txXfrm>
     </dsp:sp>
@@ -6357,7 +6233,132 @@
       </dsp:nvSpPr>
       <dsp:spPr>
         <a:xfrm>
-          <a:off x="339883" y="2793681"/>
+          <a:off x="339883" y="2340081"/>
+          <a:ext cx="4758372" cy="295200"/>
+        </a:xfrm>
+        <a:prstGeom prst="roundRect">
+          <a:avLst/>
+        </a:prstGeom>
+        <a:solidFill>
+          <a:schemeClr val="accent2">
+            <a:hueOff val="26025"/>
+            <a:satOff val="-17917"/>
+            <a:lumOff val="-4575"/>
+            <a:alphaOff val="0"/>
+          </a:schemeClr>
+        </a:solidFill>
+        <a:ln w="15875" cap="flat" cmpd="sng" algn="ctr">
+          <a:solidFill>
+            <a:schemeClr val="lt1">
+              <a:hueOff val="0"/>
+              <a:satOff val="0"/>
+              <a:lumOff val="0"/>
+              <a:alphaOff val="0"/>
+            </a:schemeClr>
+          </a:solidFill>
+          <a:prstDash val="solid"/>
+        </a:ln>
+        <a:effectLst/>
+      </dsp:spPr>
+      <dsp:style>
+        <a:lnRef idx="2">
+          <a:scrgbClr r="0" g="0" b="0"/>
+        </a:lnRef>
+        <a:fillRef idx="1">
+          <a:scrgbClr r="0" g="0" b="0"/>
+        </a:fillRef>
+        <a:effectRef idx="0">
+          <a:scrgbClr r="0" g="0" b="0"/>
+        </a:effectRef>
+        <a:fontRef idx="minor">
+          <a:schemeClr val="lt1"/>
+        </a:fontRef>
+      </dsp:style>
+      <dsp:txBody>
+        <a:bodyPr spcFirstLastPara="0" vert="horz" wrap="square" lIns="179855" tIns="0" rIns="179855" bIns="0" numCol="1" spcCol="1270" anchor="ctr" anchorCtr="0">
+          <a:noAutofit/>
+        </a:bodyPr>
+        <a:lstStyle/>
+        <a:p>
+          <a:pPr marL="0" lvl="0" indent="0" algn="l" defTabSz="444500">
+            <a:lnSpc>
+              <a:spcPct val="90000"/>
+            </a:lnSpc>
+            <a:spcBef>
+              <a:spcPct val="0"/>
+            </a:spcBef>
+            <a:spcAft>
+              <a:spcPct val="35000"/>
+            </a:spcAft>
+            <a:buNone/>
+          </a:pPr>
+          <a:r>
+            <a:rPr lang="en-US" sz="1000" kern="1200"/>
+            <a:t>Key generation</a:t>
+          </a:r>
+        </a:p>
+      </dsp:txBody>
+      <dsp:txXfrm>
+        <a:off x="354293" y="2354491"/>
+        <a:ext cx="4729552" cy="266380"/>
+      </dsp:txXfrm>
+    </dsp:sp>
+    <dsp:sp modelId="{30CAFB56-436F-4AA5-99ED-B1722B039BBC}">
+      <dsp:nvSpPr>
+        <dsp:cNvPr id="0" name=""/>
+        <dsp:cNvSpPr/>
+      </dsp:nvSpPr>
+      <dsp:spPr>
+        <a:xfrm>
+          <a:off x="0" y="4295781"/>
+          <a:ext cx="6797675" cy="252000"/>
+        </a:xfrm>
+        <a:prstGeom prst="rect">
+          <a:avLst/>
+        </a:prstGeom>
+        <a:solidFill>
+          <a:schemeClr val="lt1">
+            <a:alpha val="90000"/>
+            <a:hueOff val="0"/>
+            <a:satOff val="0"/>
+            <a:lumOff val="0"/>
+            <a:alphaOff val="0"/>
+          </a:schemeClr>
+        </a:solidFill>
+        <a:ln w="15875" cap="flat" cmpd="sng" algn="ctr">
+          <a:solidFill>
+            <a:schemeClr val="accent2">
+              <a:hueOff val="39038"/>
+              <a:satOff val="-26876"/>
+              <a:lumOff val="-6863"/>
+              <a:alphaOff val="0"/>
+            </a:schemeClr>
+          </a:solidFill>
+          <a:prstDash val="solid"/>
+        </a:ln>
+        <a:effectLst/>
+      </dsp:spPr>
+      <dsp:style>
+        <a:lnRef idx="2">
+          <a:scrgbClr r="0" g="0" b="0"/>
+        </a:lnRef>
+        <a:fillRef idx="1">
+          <a:scrgbClr r="0" g="0" b="0"/>
+        </a:fillRef>
+        <a:effectRef idx="0">
+          <a:scrgbClr r="0" g="0" b="0"/>
+        </a:effectRef>
+        <a:fontRef idx="minor"/>
+      </dsp:style>
+    </dsp:sp>
+    <dsp:sp modelId="{57014F90-1C5A-49B8-A04D-4D3425AE464C}">
+      <dsp:nvSpPr>
+        <dsp:cNvPr id="0" name=""/>
+        <dsp:cNvSpPr/>
+      </dsp:nvSpPr>
+      <dsp:spPr>
+        <a:xfrm>
+          <a:off x="339883" y="4148181"/>
           <a:ext cx="4758372" cy="295200"/>
         </a:xfrm>
         <a:prstGeom prst="roundRect">
@@ -6417,13 +6418,13 @@
             <a:buNone/>
           </a:pPr>
           <a:r>
-            <a:rPr lang="en-US" sz="1000" kern="1200"/>
-            <a:t>Key generation</a:t>
+            <a:rPr lang="en-US" sz="1000" kern="1200" dirty="0"/>
+            <a:t>Signatures Provide Authentication</a:t>
           </a:r>
         </a:p>
       </dsp:txBody>
       <dsp:txXfrm>
-        <a:off x="354293" y="2808091"/>
+        <a:off x="354293" y="4162591"/>
         <a:ext cx="4729552" cy="266380"/>
       </dsp:txXfrm>
     </dsp:sp>
@@ -12023,7 +12024,7 @@
           <a:p>
             <a:fld id="{3BD8A97F-5E07-4EA3-8A69-9602A00B9651}" type="datetimeFigureOut">
               <a:rPr lang="en-US" smtClean="0"/>
-              <a:t>12/4/2021</a:t>
+              <a:t>12/6/2021</a:t>
             </a:fld>
             <a:endParaRPr lang="en-US"/>
           </a:p>
@@ -12231,7 +12232,7 @@
           <a:p>
             <a:fld id="{3BD8A97F-5E07-4EA3-8A69-9602A00B9651}" type="datetimeFigureOut">
               <a:rPr lang="en-US" smtClean="0"/>
-              <a:t>12/4/2021</a:t>
+              <a:t>12/6/2021</a:t>
             </a:fld>
             <a:endParaRPr lang="en-US"/>
           </a:p>
@@ -12487,7 +12488,7 @@
           <a:p>
             <a:fld id="{3BD8A97F-5E07-4EA3-8A69-9602A00B9651}" type="datetimeFigureOut">
               <a:rPr lang="en-US" smtClean="0"/>
-              <a:t>12/4/2021</a:t>
+              <a:t>12/6/2021</a:t>
             </a:fld>
             <a:endParaRPr lang="en-US"/>
           </a:p>
@@ -12661,7 +12662,7 @@
           <a:p>
             <a:fld id="{3BD8A97F-5E07-4EA3-8A69-9602A00B9651}" type="datetimeFigureOut">
               <a:rPr lang="en-US" smtClean="0"/>
-              <a:t>12/4/2021</a:t>
+              <a:t>12/6/2021</a:t>
             </a:fld>
             <a:endParaRPr lang="en-US"/>
           </a:p>
@@ -13004,7 +13005,7 @@
           <a:p>
             <a:fld id="{3BD8A97F-5E07-4EA3-8A69-9602A00B9651}" type="datetimeFigureOut">
               <a:rPr lang="en-US" smtClean="0"/>
-              <a:t>12/4/2021</a:t>
+              <a:t>12/6/2021</a:t>
             </a:fld>
             <a:endParaRPr lang="en-US"/>
           </a:p>
@@ -13279,7 +13280,7 @@
           <a:p>
             <a:fld id="{3BD8A97F-5E07-4EA3-8A69-9602A00B9651}" type="datetimeFigureOut">
               <a:rPr lang="en-US" smtClean="0"/>
-              <a:t>12/4/2021</a:t>
+              <a:t>12/6/2021</a:t>
             </a:fld>
             <a:endParaRPr lang="en-US"/>
           </a:p>
@@ -13658,7 +13659,7 @@
           <a:p>
             <a:fld id="{3BD8A97F-5E07-4EA3-8A69-9602A00B9651}" type="datetimeFigureOut">
               <a:rPr lang="en-US" smtClean="0"/>
-              <a:t>12/4/2021</a:t>
+              <a:t>12/6/2021</a:t>
             </a:fld>
             <a:endParaRPr lang="en-US"/>
           </a:p>
@@ -13776,7 +13777,7 @@
           <a:p>
             <a:fld id="{3BD8A97F-5E07-4EA3-8A69-9602A00B9651}" type="datetimeFigureOut">
               <a:rPr lang="en-US" smtClean="0"/>
-              <a:t>12/4/2021</a:t>
+              <a:t>12/6/2021</a:t>
             </a:fld>
             <a:endParaRPr lang="en-US"/>
           </a:p>
@@ -13947,7 +13948,7 @@
           <a:p>
             <a:fld id="{3BD8A97F-5E07-4EA3-8A69-9602A00B9651}" type="datetimeFigureOut">
               <a:rPr lang="en-US" smtClean="0"/>
-              <a:t>12/4/2021</a:t>
+              <a:t>12/6/2021</a:t>
             </a:fld>
             <a:endParaRPr lang="en-US"/>
           </a:p>
@@ -14301,7 +14302,7 @@
           <a:p>
             <a:fld id="{3BD8A97F-5E07-4EA3-8A69-9602A00B9651}" type="datetimeFigureOut">
               <a:rPr lang="en-US" smtClean="0"/>
-              <a:t>12/4/2021</a:t>
+              <a:t>12/6/2021</a:t>
             </a:fld>
             <a:endParaRPr lang="en-US"/>
           </a:p>
@@ -14683,7 +14684,7 @@
           <a:p>
             <a:fld id="{3BD8A97F-5E07-4EA3-8A69-9602A00B9651}" type="datetimeFigureOut">
               <a:rPr lang="en-US" smtClean="0"/>
-              <a:t>12/4/2021</a:t>
+              <a:t>12/6/2021</a:t>
             </a:fld>
             <a:endParaRPr lang="en-US"/>
           </a:p>
@@ -14970,7 +14971,7 @@
           <a:p>
             <a:fld id="{3BD8A97F-5E07-4EA3-8A69-9602A00B9651}" type="datetimeFigureOut">
               <a:rPr lang="en-US" smtClean="0"/>
-              <a:t>12/4/2021</a:t>
+              <a:t>12/6/2021</a:t>
             </a:fld>
             <a:endParaRPr lang="en-US"/>
           </a:p>
@@ -16525,7 +16526,7 @@
             <p:ph idx="1"/>
             <p:extLst>
               <p:ext uri="{D42A27DB-BD31-4B8C-83A1-F6EECF244321}">
-                <p14:modId xmlns:p14="http://schemas.microsoft.com/office/powerpoint/2010/main" val="1949934375"/>
+                <p14:modId xmlns:p14="http://schemas.microsoft.com/office/powerpoint/2010/main" val="2656602139"/>
               </p:ext>
             </p:extLst>
           </p:nvPr>
@@ -16540,6 +16541,66 @@
           </a:graphicData>
         </a:graphic>
       </p:graphicFrame>
+      <p:pic>
+        <p:nvPicPr>
+          <p:cNvPr id="4" name="Picture 3">
+            <a:extLst>
+              <a:ext uri="{FF2B5EF4-FFF2-40B4-BE49-F238E27FC236}">
+                <a16:creationId xmlns:a16="http://schemas.microsoft.com/office/drawing/2014/main" id="{7498557F-60B5-4D14-A7E6-6134D9791B83}"/>
+              </a:ext>
+            </a:extLst>
+          </p:cNvPr>
+          <p:cNvPicPr>
+            <a:picLocks noChangeAspect="1"/>
+          </p:cNvPicPr>
+          <p:nvPr/>
+        </p:nvPicPr>
+        <p:blipFill>
+          <a:blip r:embed="rId7"/>
+          <a:stretch>
+            <a:fillRect/>
+          </a:stretch>
+        </p:blipFill>
+        <p:spPr>
+          <a:xfrm>
+            <a:off x="4741863" y="5221370"/>
+            <a:ext cx="4426834" cy="1068305"/>
+          </a:xfrm>
+          <a:prstGeom prst="rect">
+            <a:avLst/>
+          </a:prstGeom>
+        </p:spPr>
+      </p:pic>
+      <p:pic>
+        <p:nvPicPr>
+          <p:cNvPr id="7" name="Picture 6">
+            <a:extLst>
+              <a:ext uri="{FF2B5EF4-FFF2-40B4-BE49-F238E27FC236}">
+                <a16:creationId xmlns:a16="http://schemas.microsoft.com/office/drawing/2014/main" id="{9F91D217-A528-439E-ADDC-1ECC9A7E1FCB}"/>
+              </a:ext>
+            </a:extLst>
+          </p:cNvPr>
+          <p:cNvPicPr>
+            <a:picLocks noChangeAspect="1"/>
+          </p:cNvPicPr>
+          <p:nvPr/>
+        </p:nvPicPr>
+        <p:blipFill>
+          <a:blip r:embed="rId8"/>
+          <a:stretch>
+            <a:fillRect/>
+          </a:stretch>
+        </p:blipFill>
+        <p:spPr>
+          <a:xfrm>
+            <a:off x="4741863" y="6289675"/>
+            <a:ext cx="3228975" cy="361950"/>
+          </a:xfrm>
+          <a:prstGeom prst="rect">
+            <a:avLst/>
+          </a:prstGeom>
+        </p:spPr>
+      </p:pic>
     </p:spTree>
     <p:extLst>
       <p:ext uri="{BB962C8B-B14F-4D97-AF65-F5344CB8AC3E}">
@@ -17339,8 +17400,108 @@
               <a:t>MD5</a:t>
             </a:r>
           </a:p>
+          <a:p>
+            <a:pPr lvl="1">
+              <a:buFont typeface="Wingdings" panose="05000000000000000000" pitchFamily="2" charset="2"/>
+              <a:buChar char="§"/>
+            </a:pPr>
+            <a:r>
+              <a:rPr lang="en-US" dirty="0"/>
+              <a:t>Generates 128 bit hash</a:t>
+            </a:r>
+          </a:p>
+          <a:p>
+            <a:pPr lvl="1">
+              <a:buFont typeface="Wingdings" panose="05000000000000000000" pitchFamily="2" charset="2"/>
+              <a:buChar char="§"/>
+            </a:pPr>
+            <a:r>
+              <a:rPr lang="en-US" dirty="0"/>
+              <a:t>Commonly used for passwords in the past</a:t>
+            </a:r>
+          </a:p>
+          <a:p>
+            <a:pPr lvl="1">
+              <a:buFont typeface="Wingdings" panose="05000000000000000000" pitchFamily="2" charset="2"/>
+              <a:buChar char="§"/>
+            </a:pPr>
+            <a:r>
+              <a:rPr lang="en-US" dirty="0"/>
+              <a:t>Collision attack and other common knowledge tools – no longer viable</a:t>
+            </a:r>
+            <a:br>
+              <a:rPr lang="en-US" dirty="0"/>
+            </a:br>
+            <a:br>
+              <a:rPr lang="en-US" dirty="0"/>
+            </a:br>
+            <a:br>
+              <a:rPr lang="en-US" dirty="0"/>
+            </a:br>
+            <a:endParaRPr lang="en-US" dirty="0"/>
+          </a:p>
+          <a:p>
+            <a:pPr>
+              <a:buFont typeface="Wingdings" panose="05000000000000000000" pitchFamily="2" charset="2"/>
+              <a:buChar char="§"/>
+            </a:pPr>
+            <a:r>
+              <a:rPr lang="en-US" dirty="0"/>
+              <a:t>SHA</a:t>
+            </a:r>
+          </a:p>
+          <a:p>
+            <a:pPr lvl="1">
+              <a:buFont typeface="Wingdings" panose="05000000000000000000" pitchFamily="2" charset="2"/>
+              <a:buChar char="§"/>
+            </a:pPr>
+            <a:r>
+              <a:rPr lang="en-US" dirty="0"/>
+              <a:t>SHA-1 is the most commonly used</a:t>
+            </a:r>
+          </a:p>
+          <a:p>
+            <a:pPr lvl="1">
+              <a:buFont typeface="Wingdings" panose="05000000000000000000" pitchFamily="2" charset="2"/>
+              <a:buChar char="§"/>
+            </a:pPr>
+            <a:r>
+              <a:rPr lang="en-US" dirty="0"/>
+              <a:t>Also no longer viable </a:t>
+            </a:r>
+          </a:p>
         </p:txBody>
       </p:sp>
+      <p:pic>
+        <p:nvPicPr>
+          <p:cNvPr id="5" name="Picture 4">
+            <a:extLst>
+              <a:ext uri="{FF2B5EF4-FFF2-40B4-BE49-F238E27FC236}">
+                <a16:creationId xmlns:a16="http://schemas.microsoft.com/office/drawing/2014/main" id="{8AFE1CDE-DE74-499D-B194-8C4D9968D811}"/>
+              </a:ext>
+            </a:extLst>
+          </p:cNvPr>
+          <p:cNvPicPr>
+            <a:picLocks noChangeAspect="1"/>
+          </p:cNvPicPr>
+          <p:nvPr/>
+        </p:nvPicPr>
+        <p:blipFill>
+          <a:blip r:embed="rId2"/>
+          <a:stretch>
+            <a:fillRect/>
+          </a:stretch>
+        </p:blipFill>
+        <p:spPr>
+          <a:xfrm>
+            <a:off x="5483803" y="3857414"/>
+            <a:ext cx="4438650" cy="2240251"/>
+          </a:xfrm>
+          <a:prstGeom prst="rect">
+            <a:avLst/>
+          </a:prstGeom>
+        </p:spPr>
+      </p:pic>
     </p:spTree>
     <p:extLst>
       <p:ext uri="{BB962C8B-B14F-4D97-AF65-F5344CB8AC3E}">
@@ -17355,6 +17516,328 @@
 </file>
 
 <file path=ppt/slides/slide17.xml><?xml version="1.0" encoding="utf-8"?>
+<p:sld xmlns:a="http://schemas.openxmlformats.org/drawingml/2006/main" xmlns:r="http://schemas.openxmlformats.org/officeDocument/2006/relationships" xmlns:p="http://schemas.openxmlformats.org/presentationml/2006/main">
+  <p:cSld>
+    <p:bg>
+      <p:bgPr>
+        <a:solidFill>
+          <a:schemeClr val="bg1"/>
+        </a:solidFill>
+        <a:effectLst/>
+      </p:bgPr>
+    </p:bg>
+    <p:spTree>
+      <p:nvGrpSpPr>
+        <p:cNvPr id="1" name=""/>
+        <p:cNvGrpSpPr/>
+        <p:nvPr/>
+      </p:nvGrpSpPr>
+      <p:grpSpPr>
+        <a:xfrm>
+          <a:off x="0" y="0"/>
+          <a:ext cx="0" cy="0"/>
+          <a:chOff x="0" y="0"/>
+          <a:chExt cx="0" cy="0"/>
+        </a:xfrm>
+      </p:grpSpPr>
+      <p:sp>
+        <p:nvSpPr>
+          <p:cNvPr id="71" name="Rectangle 70">
+            <a:extLst>
+              <a:ext uri="{FF2B5EF4-FFF2-40B4-BE49-F238E27FC236}">
+                <a16:creationId xmlns:a16="http://schemas.microsoft.com/office/drawing/2014/main" id="{AE1AF813-2D2F-4B78-9216-388AF161EDAA}"/>
+              </a:ext>
+              <a:ext uri="{C183D7F6-B498-43B3-948B-1728B52AA6E4}">
+                <adec:decorative xmlns:adec="http://schemas.microsoft.com/office/drawing/2017/decorative" val="1"/>
+              </a:ext>
+            </a:extLst>
+          </p:cNvPr>
+          <p:cNvSpPr>
+            <a:spLocks noGrp="1" noRot="1" noChangeAspect="1" noMove="1" noResize="1" noEditPoints="1" noAdjustHandles="1" noChangeArrowheads="1" noChangeShapeType="1" noTextEdit="1"/>
+          </p:cNvSpPr>
+          <p:nvPr>
+            <p:extLst>
+              <p:ext uri="{386F3935-93C4-4BCD-93E2-E3B085C9AB24}">
+                <p16:designElem xmlns:p16="http://schemas.microsoft.com/office/powerpoint/2015/main" val="1"/>
+              </p:ext>
+            </p:extLst>
+          </p:nvPr>
+        </p:nvSpPr>
+        <p:spPr>
+          <a:xfrm>
+            <a:off x="3175" y="6400800"/>
+            <a:ext cx="12188825" cy="457200"/>
+          </a:xfrm>
+          <a:prstGeom prst="rect">
+            <a:avLst/>
+          </a:prstGeom>
+          <a:solidFill>
+            <a:schemeClr val="accent2"/>
+          </a:solidFill>
+          <a:ln>
+            <a:noFill/>
+          </a:ln>
+        </p:spPr>
+        <p:style>
+          <a:lnRef idx="2">
+            <a:schemeClr val="accent1">
+              <a:shade val="50000"/>
+            </a:schemeClr>
+          </a:lnRef>
+          <a:fillRef idx="1">
+            <a:schemeClr val="accent1"/>
+          </a:fillRef>
+          <a:effectRef idx="0">
+            <a:schemeClr val="accent1"/>
+          </a:effectRef>
+          <a:fontRef idx="minor">
+            <a:schemeClr val="lt1"/>
+          </a:fontRef>
+        </p:style>
+      </p:sp>
+      <p:sp>
+        <p:nvSpPr>
+          <p:cNvPr id="73" name="Rectangle 72">
+            <a:extLst>
+              <a:ext uri="{FF2B5EF4-FFF2-40B4-BE49-F238E27FC236}">
+                <a16:creationId xmlns:a16="http://schemas.microsoft.com/office/drawing/2014/main" id="{C47181D2-95D5-4439-9BDF-14D4FDC7BD80}"/>
+              </a:ext>
+              <a:ext uri="{C183D7F6-B498-43B3-948B-1728B52AA6E4}">
+                <adec:decorative xmlns:adec="http://schemas.microsoft.com/office/drawing/2017/decorative" val="1"/>
+              </a:ext>
+            </a:extLst>
+          </p:cNvPr>
+          <p:cNvSpPr>
+            <a:spLocks noGrp="1" noRot="1" noChangeAspect="1" noMove="1" noResize="1" noEditPoints="1" noAdjustHandles="1" noChangeArrowheads="1" noChangeShapeType="1" noTextEdit="1"/>
+          </p:cNvSpPr>
+          <p:nvPr>
+            <p:extLst>
+              <p:ext uri="{386F3935-93C4-4BCD-93E2-E3B085C9AB24}">
+                <p16:designElem xmlns:p16="http://schemas.microsoft.com/office/powerpoint/2015/main" val="1"/>
+              </p:ext>
+            </p:extLst>
+          </p:nvPr>
+        </p:nvSpPr>
+        <p:spPr>
+          <a:xfrm>
+            <a:off x="15" y="6334316"/>
+            <a:ext cx="12188825" cy="64008"/>
+          </a:xfrm>
+          <a:prstGeom prst="rect">
+            <a:avLst/>
+          </a:prstGeom>
+          <a:solidFill>
+            <a:schemeClr val="accent1"/>
+          </a:solidFill>
+          <a:ln>
+            <a:noFill/>
+          </a:ln>
+        </p:spPr>
+        <p:style>
+          <a:lnRef idx="2">
+            <a:schemeClr val="accent1">
+              <a:shade val="50000"/>
+            </a:schemeClr>
+          </a:lnRef>
+          <a:fillRef idx="1">
+            <a:schemeClr val="accent1"/>
+          </a:fillRef>
+          <a:effectRef idx="0">
+            <a:schemeClr val="accent1"/>
+          </a:effectRef>
+          <a:fontRef idx="minor">
+            <a:schemeClr val="lt1"/>
+          </a:fontRef>
+        </p:style>
+      </p:sp>
+      <p:sp>
+        <p:nvSpPr>
+          <p:cNvPr id="75" name="Rectangle 74">
+            <a:extLst>
+              <a:ext uri="{FF2B5EF4-FFF2-40B4-BE49-F238E27FC236}">
+                <a16:creationId xmlns:a16="http://schemas.microsoft.com/office/drawing/2014/main" id="{CDD85225-4221-4672-B1DE-C34BFFF5FDFA}"/>
+              </a:ext>
+              <a:ext uri="{C183D7F6-B498-43B3-948B-1728B52AA6E4}">
+                <adec:decorative xmlns:adec="http://schemas.microsoft.com/office/drawing/2017/decorative" val="1"/>
+              </a:ext>
+            </a:extLst>
+          </p:cNvPr>
+          <p:cNvSpPr>
+            <a:spLocks noGrp="1" noRot="1" noChangeAspect="1" noMove="1" noResize="1" noEditPoints="1" noAdjustHandles="1" noChangeArrowheads="1" noChangeShapeType="1" noTextEdit="1"/>
+          </p:cNvSpPr>
+          <p:nvPr>
+            <p:extLst>
+              <p:ext uri="{386F3935-93C4-4BCD-93E2-E3B085C9AB24}">
+                <p16:designElem xmlns:p16="http://schemas.microsoft.com/office/powerpoint/2015/main" val="1"/>
+              </p:ext>
+            </p:extLst>
+          </p:nvPr>
+        </p:nvSpPr>
+        <p:spPr>
+          <a:xfrm>
+            <a:off x="0" y="0"/>
+            <a:ext cx="12192000" cy="6858000"/>
+          </a:xfrm>
+          <a:prstGeom prst="rect">
+            <a:avLst/>
+          </a:prstGeom>
+          <a:solidFill>
+            <a:schemeClr val="tx1">
+              <a:lumMod val="65000"/>
+              <a:lumOff val="35000"/>
+            </a:schemeClr>
+          </a:solidFill>
+          <a:ln>
+            <a:noFill/>
+          </a:ln>
+        </p:spPr>
+        <p:style>
+          <a:lnRef idx="2">
+            <a:schemeClr val="accent1">
+              <a:shade val="50000"/>
+            </a:schemeClr>
+          </a:lnRef>
+          <a:fillRef idx="1">
+            <a:schemeClr val="accent1"/>
+          </a:fillRef>
+          <a:effectRef idx="0">
+            <a:schemeClr val="accent1"/>
+          </a:effectRef>
+          <a:fontRef idx="minor">
+            <a:schemeClr val="lt1"/>
+          </a:fontRef>
+        </p:style>
+        <p:txBody>
+          <a:bodyPr rtlCol="0" anchor="ctr"/>
+          <a:lstStyle/>
+          <a:p>
+            <a:pPr algn="ctr"/>
+            <a:endParaRPr lang="en-US"/>
+          </a:p>
+        </p:txBody>
+      </p:sp>
+      <p:pic>
+        <p:nvPicPr>
+          <p:cNvPr id="1026" name="Picture 2" descr="MD5 | Message Digest Algorithm Processor IP Core">
+            <a:extLst>
+              <a:ext uri="{FF2B5EF4-FFF2-40B4-BE49-F238E27FC236}">
+                <a16:creationId xmlns:a16="http://schemas.microsoft.com/office/drawing/2014/main" id="{6179A0E9-C42F-4EF8-99BD-5FEF73524DB5}"/>
+              </a:ext>
+            </a:extLst>
+          </p:cNvPr>
+          <p:cNvPicPr>
+            <a:picLocks noChangeAspect="1" noChangeArrowheads="1"/>
+          </p:cNvPicPr>
+          <p:nvPr/>
+        </p:nvPicPr>
+        <p:blipFill rotWithShape="1">
+          <a:blip r:embed="rId2">
+            <a:extLst>
+              <a:ext uri="{28A0092B-C50C-407E-A947-70E740481C1C}">
+                <a14:useLocalDpi xmlns:a14="http://schemas.microsoft.com/office/drawing/2010/main" val="0"/>
+              </a:ext>
+            </a:extLst>
+          </a:blip>
+          <a:srcRect t="8364" r="1" b="1"/>
+          <a:stretch/>
+        </p:blipFill>
+        <p:spPr bwMode="auto">
+          <a:xfrm>
+            <a:off x="643467" y="643467"/>
+            <a:ext cx="10905066" cy="5571066"/>
+          </a:xfrm>
+          <a:prstGeom prst="rect">
+            <a:avLst/>
+          </a:prstGeom>
+          <a:noFill/>
+          <a:extLst>
+            <a:ext uri="{909E8E84-426E-40DD-AFC4-6F175D3DCCD1}">
+              <a14:hiddenFill xmlns:a14="http://schemas.microsoft.com/office/drawing/2010/main">
+                <a:solidFill>
+                  <a:srgbClr val="FFFFFF"/>
+                </a:solidFill>
+              </a14:hiddenFill>
+            </a:ext>
+          </a:extLst>
+        </p:spPr>
+      </p:pic>
+      <p:sp>
+        <p:nvSpPr>
+          <p:cNvPr id="77" name="Rectangle 76">
+            <a:extLst>
+              <a:ext uri="{FF2B5EF4-FFF2-40B4-BE49-F238E27FC236}">
+                <a16:creationId xmlns:a16="http://schemas.microsoft.com/office/drawing/2014/main" id="{6FB55C46-EDB8-4EC2-AD52-94B111D3A956}"/>
+              </a:ext>
+              <a:ext uri="{C183D7F6-B498-43B3-948B-1728B52AA6E4}">
+                <adec:decorative xmlns:adec="http://schemas.microsoft.com/office/drawing/2017/decorative" val="1"/>
+              </a:ext>
+            </a:extLst>
+          </p:cNvPr>
+          <p:cNvSpPr>
+            <a:spLocks noGrp="1" noRot="1" noChangeAspect="1" noMove="1" noResize="1" noEditPoints="1" noAdjustHandles="1" noChangeArrowheads="1" noChangeShapeType="1" noTextEdit="1"/>
+          </p:cNvSpPr>
+          <p:nvPr>
+            <p:extLst>
+              <p:ext uri="{386F3935-93C4-4BCD-93E2-E3B085C9AB24}">
+                <p16:designElem xmlns:p16="http://schemas.microsoft.com/office/powerpoint/2015/main" val="1"/>
+              </p:ext>
+            </p:extLst>
+          </p:nvPr>
+        </p:nvSpPr>
+        <p:spPr>
+          <a:xfrm>
+            <a:off x="477012" y="480060"/>
+            <a:ext cx="11237976" cy="5897880"/>
+          </a:xfrm>
+          <a:prstGeom prst="rect">
+            <a:avLst/>
+          </a:prstGeom>
+          <a:noFill/>
+          <a:ln>
+            <a:solidFill>
+              <a:srgbClr val="FFFFFF"/>
+            </a:solidFill>
+          </a:ln>
+        </p:spPr>
+        <p:style>
+          <a:lnRef idx="2">
+            <a:schemeClr val="accent1">
+              <a:shade val="50000"/>
+            </a:schemeClr>
+          </a:lnRef>
+          <a:fillRef idx="1">
+            <a:schemeClr val="accent1"/>
+          </a:fillRef>
+          <a:effectRef idx="0">
+            <a:schemeClr val="accent1"/>
+          </a:effectRef>
+          <a:fontRef idx="minor">
+            <a:schemeClr val="lt1"/>
+          </a:fontRef>
+        </p:style>
+        <p:txBody>
+          <a:bodyPr rtlCol="0" anchor="ctr"/>
+          <a:lstStyle/>
+          <a:p>
+            <a:pPr algn="ctr"/>
+            <a:endParaRPr lang="en-US"/>
+          </a:p>
+        </p:txBody>
+      </p:sp>
+    </p:spTree>
+    <p:extLst>
+      <p:ext uri="{BB962C8B-B14F-4D97-AF65-F5344CB8AC3E}">
+        <p14:creationId xmlns:p14="http://schemas.microsoft.com/office/powerpoint/2010/main" val="4146688812"/>
+      </p:ext>
+    </p:extLst>
+  </p:cSld>
+  <p:clrMapOvr>
+    <a:masterClrMapping/>
+  </p:clrMapOvr>
+</p:sld>
+</file>
+
+<file path=ppt/slides/slide18.xml><?xml version="1.0" encoding="utf-8"?>
 <p:sld xmlns:a="http://schemas.openxmlformats.org/drawingml/2006/main" xmlns:r="http://schemas.openxmlformats.org/officeDocument/2006/relationships" xmlns:p="http://schemas.openxmlformats.org/presentationml/2006/main">
   <p:cSld>
     <p:spTree>
@@ -17394,7 +17877,7 @@
           <a:p>
             <a:r>
               <a:rPr lang="en-US" dirty="0"/>
-              <a:t>References	</a:t>
+              <a:t>References &amp; Special Thanks	</a:t>
             </a:r>
           </a:p>
         </p:txBody>
@@ -17422,7 +17905,23 @@
           <a:p>
             <a:r>
               <a:rPr lang="en-US" dirty="0"/>
+              <a:t>References</a:t>
+            </a:r>
+          </a:p>
+          <a:p>
+            <a:pPr lvl="1"/>
+            <a:r>
+              <a:rPr lang="en-US" dirty="0"/>
               <a:t>Inspired by SEED Laboratory</a:t>
+            </a:r>
+          </a:p>
+          <a:p>
+            <a:pPr lvl="1"/>
+            <a:r>
+              <a:rPr lang="en-US" sz="1600" b="0" i="1" u="none" strike="noStrike" baseline="0" dirty="0">
+                <a:latin typeface="LMMono10-Italic"/>
+              </a:rPr>
+              <a:t>Computer Security: Principles and Practice</a:t>
             </a:r>
           </a:p>
           <a:p>
@@ -17430,7 +17929,24 @@
               <a:rPr lang="en-US" sz="1800" b="0" i="1" u="none" strike="noStrike" baseline="0" dirty="0">
                 <a:latin typeface="LMMono10-Italic"/>
               </a:rPr>
-              <a:t>Computer Security: Principles and Practice</a:t>
+              <a:t>Special thanks </a:t>
+            </a:r>
+          </a:p>
+          <a:p>
+            <a:pPr marL="201168" lvl="1" indent="0">
+              <a:buNone/>
+            </a:pPr>
+            <a:r>
+              <a:rPr lang="en-US" sz="1600" i="1" dirty="0">
+                <a:latin typeface="LMMono10-Italic"/>
+              </a:rPr>
+              <a:t>	</a:t>
+            </a:r>
+            <a:r>
+              <a:rPr lang="en-US" sz="1600" b="0" i="1" u="none" strike="noStrike" baseline="0" dirty="0">
+                <a:latin typeface="LMMono10-Italic"/>
+              </a:rPr>
+              <a:t>to Alfred for his support</a:t>
             </a:r>
           </a:p>
           <a:p>

--- a/Documentation/Demo.pptx
+++ b/Documentation/Demo.pptx
@@ -12024,7 +12024,7 @@
           <a:p>
             <a:fld id="{3BD8A97F-5E07-4EA3-8A69-9602A00B9651}" type="datetimeFigureOut">
               <a:rPr lang="en-US" smtClean="0"/>
-              <a:t>12/6/2021</a:t>
+              <a:t>12/7/2021</a:t>
             </a:fld>
             <a:endParaRPr lang="en-US"/>
           </a:p>
@@ -12232,7 +12232,7 @@
           <a:p>
             <a:fld id="{3BD8A97F-5E07-4EA3-8A69-9602A00B9651}" type="datetimeFigureOut">
               <a:rPr lang="en-US" smtClean="0"/>
-              <a:t>12/6/2021</a:t>
+              <a:t>12/7/2021</a:t>
             </a:fld>
             <a:endParaRPr lang="en-US"/>
           </a:p>
@@ -12488,7 +12488,7 @@
           <a:p>
             <a:fld id="{3BD8A97F-5E07-4EA3-8A69-9602A00B9651}" type="datetimeFigureOut">
               <a:rPr lang="en-US" smtClean="0"/>
-              <a:t>12/6/2021</a:t>
+              <a:t>12/7/2021</a:t>
             </a:fld>
             <a:endParaRPr lang="en-US"/>
           </a:p>
@@ -12662,7 +12662,7 @@
           <a:p>
             <a:fld id="{3BD8A97F-5E07-4EA3-8A69-9602A00B9651}" type="datetimeFigureOut">
               <a:rPr lang="en-US" smtClean="0"/>
-              <a:t>12/6/2021</a:t>
+              <a:t>12/7/2021</a:t>
             </a:fld>
             <a:endParaRPr lang="en-US"/>
           </a:p>
@@ -13005,7 +13005,7 @@
           <a:p>
             <a:fld id="{3BD8A97F-5E07-4EA3-8A69-9602A00B9651}" type="datetimeFigureOut">
               <a:rPr lang="en-US" smtClean="0"/>
-              <a:t>12/6/2021</a:t>
+              <a:t>12/7/2021</a:t>
             </a:fld>
             <a:endParaRPr lang="en-US"/>
           </a:p>
@@ -13280,7 +13280,7 @@
           <a:p>
             <a:fld id="{3BD8A97F-5E07-4EA3-8A69-9602A00B9651}" type="datetimeFigureOut">
               <a:rPr lang="en-US" smtClean="0"/>
-              <a:t>12/6/2021</a:t>
+              <a:t>12/7/2021</a:t>
             </a:fld>
             <a:endParaRPr lang="en-US"/>
           </a:p>
@@ -13659,7 +13659,7 @@
           <a:p>
             <a:fld id="{3BD8A97F-5E07-4EA3-8A69-9602A00B9651}" type="datetimeFigureOut">
               <a:rPr lang="en-US" smtClean="0"/>
-              <a:t>12/6/2021</a:t>
+              <a:t>12/7/2021</a:t>
             </a:fld>
             <a:endParaRPr lang="en-US"/>
           </a:p>
@@ -13777,7 +13777,7 @@
           <a:p>
             <a:fld id="{3BD8A97F-5E07-4EA3-8A69-9602A00B9651}" type="datetimeFigureOut">
               <a:rPr lang="en-US" smtClean="0"/>
-              <a:t>12/6/2021</a:t>
+              <a:t>12/7/2021</a:t>
             </a:fld>
             <a:endParaRPr lang="en-US"/>
           </a:p>
@@ -13948,7 +13948,7 @@
           <a:p>
             <a:fld id="{3BD8A97F-5E07-4EA3-8A69-9602A00B9651}" type="datetimeFigureOut">
               <a:rPr lang="en-US" smtClean="0"/>
-              <a:t>12/6/2021</a:t>
+              <a:t>12/7/2021</a:t>
             </a:fld>
             <a:endParaRPr lang="en-US"/>
           </a:p>
@@ -14302,7 +14302,7 @@
           <a:p>
             <a:fld id="{3BD8A97F-5E07-4EA3-8A69-9602A00B9651}" type="datetimeFigureOut">
               <a:rPr lang="en-US" smtClean="0"/>
-              <a:t>12/6/2021</a:t>
+              <a:t>12/7/2021</a:t>
             </a:fld>
             <a:endParaRPr lang="en-US"/>
           </a:p>
@@ -14684,7 +14684,7 @@
           <a:p>
             <a:fld id="{3BD8A97F-5E07-4EA3-8A69-9602A00B9651}" type="datetimeFigureOut">
               <a:rPr lang="en-US" smtClean="0"/>
-              <a:t>12/6/2021</a:t>
+              <a:t>12/7/2021</a:t>
             </a:fld>
             <a:endParaRPr lang="en-US"/>
           </a:p>
@@ -14971,7 +14971,7 @@
           <a:p>
             <a:fld id="{3BD8A97F-5E07-4EA3-8A69-9602A00B9651}" type="datetimeFigureOut">
               <a:rPr lang="en-US" smtClean="0"/>
-              <a:t>12/6/2021</a:t>
+              <a:t>12/7/2021</a:t>
             </a:fld>
             <a:endParaRPr lang="en-US"/>
           </a:p>
@@ -19101,7 +19101,7 @@
             </a:pPr>
             <a:r>
               <a:rPr lang="en-US" dirty="0"/>
-              <a:t>This project show the encryption, decryption, and potential attacks  through various ciphers (Caesar's, AES, RSA, MD5, symmetric, and asymmetric cryptosystems) and file types (text input, text file, images, and large data files)</a:t>
+              <a:t>This project shows the encryption, decryption, and potential attacks  through various ciphers (Caesar's, AES, RSA, MD5, symmetric, and asymmetric cryptosystems) and file types (text input, text file, images, and large data files)</a:t>
             </a:r>
           </a:p>
           <a:p>
